--- a/src/main/resources/content/output/Social Media.pptx
+++ b/src/main/resources/content/output/Social Media.pptx
@@ -37901,7 +37901,7 @@
           <a:p>
             <a:r>
               <a:rPr lang="en-US"/>
-              <a:t>Commander's Strategy for Social Media</a:t>
+              <a:t>commentary</a:t>
             </a:r>
             <a:endParaRPr lang="en-US"/>
           </a:p>
@@ -37935,9 +37935,8 @@
           <a:p>
             <a:r>
               <a:rPr lang="en-US"/>
-              <a:t> The Iranian government tried to block the use of Twitter and Facebook during the protests that followed the disputed election of President Mahmoud Ahmadinejad in June 2009.
- The Iranian government's efforts to block the use of social media were unsuccessful, and the protests were widely reported.
- This commentary discusses the importance of developing a social media strategy for military operations.</a:t>
+              <a:t> The use of social media is increasing in the world, and the U.S. military must understand how it can be used to enhance its efforts.
+ The Iranian government's attempt to block social media in the aftermath of the 2009 Iranian election is a case study for how social media can be used to impact the outcomes of military operations.</a:t>
             </a:r>
           </a:p>
         </p:txBody>
@@ -37990,7 +37989,7 @@
           <a:p>
             <a:r>
               <a:rPr lang="en-US"/>
-              <a:t>JFQ 81 MAYFIELD</a:t>
+              <a:t>The title for the paragraph no more than 4 words is "Social Media"</a:t>
             </a:r>
             <a:endParaRPr lang="en-US"/>
           </a:p>
@@ -38024,8 +38023,8 @@
           <a:p>
             <a:r>
               <a:rPr lang="en-US"/>
-              <a:t> The Israel Defense Force (IDF) has demonstrated the use of social media to enhance their effectiveness in an area of responsibility (AOR).
- The IDF used social media to improve their ability to understand the AOR, to communicate with the local population, and to coordinate with partner organizations.</a:t>
+              <a:t> This article provides an overview of the potential benefits of using social media in an area of responsibility (AOR).
+ It provides a framework for commanders to consider when developing a social media strategy.</a:t>
             </a:r>
           </a:p>
         </p:txBody>
@@ -38112,8 +38111,8 @@
           <a:p>
             <a:r>
               <a:rPr lang="en-US"/>
-              <a:t> The U.S. military must develop a strategy for using social media to enhance its ability to understand and influence the population in the AOR.
- The commander must be able to use social media to enhance the speed and agility of the command.</a:t>
+              <a:t> The use of social media by the Department of Defense (DOD) has increased significantly in the past several years.
+ This commentary focuses on how a commander can take advantage of social media.</a:t>
             </a:r>
           </a:p>
         </p:txBody>
@@ -38166,7 +38165,7 @@
           <a:p>
             <a:r>
               <a:rPr lang="en-US"/>
-              <a:t>The key relationships in the AOR relative to social media strategy are local governments, press, civic organizations, and the populace in general, as well as NGOs operating in the area.</a:t>
+              <a:t>Key Relationships</a:t>
             </a:r>
             <a:endParaRPr lang="en-US"/>
           </a:p>
@@ -38200,8 +38199,8 @@
           <a:p>
             <a:r>
               <a:rPr lang="en-US"/>
-              <a:t> The U.S. military is already using social media to communicate with the public, but it has not yet developed a comprehensive social media strategy.
- A strategy that incorporates the lessons already learned in the social media environment will allow the Armed Forces to improve their ability to understand the environment, communicate more effectively, and generate unity of effort throughout the battlefield.</a:t>
+              <a:t> The U.S. military must develop a social media strategy to take advantage of the emerging trends in information.
+ This strategy will allow the Armed Forces to improve their ability to understand the environment, communicate more effectively, and generate unity of effort throughout the battlefield.</a:t>
             </a:r>
           </a:p>
         </p:txBody>
@@ -38288,8 +38287,7 @@
           <a:p>
             <a:r>
               <a:rPr lang="en-US"/>
-              <a:t> The Joint Force Quarterly (JFQ) is a bimonthly publication that focuses on joint and integrated operations.
- It offers a single, cohesive forum for the expression of joint doctrine, tactics, techniques, and procedures (TTP) to improve combat readiness.</a:t>
+              <a:t> This article responds to the arguments of Colonel Gian P. Gentile that the U.S. Army's counterinsurgency doctrine is wrong and dangerous.</a:t>
             </a:r>
           </a:p>
         </p:txBody>
